--- a/2023/2023-03/2023-03-25/problem.pptx
+++ b/2023/2023-03/2023-03-25/problem.pptx
@@ -5,10 +5,7 @@
     <p:sldMasterId id="2147483732" r:id="rId1"/>
   </p:sldMasterIdLst>
   <p:sldIdLst>
-    <p:sldId id="267" r:id="rId2"/>
-    <p:sldId id="258" r:id="rId3"/>
-    <p:sldId id="259" r:id="rId4"/>
-    <p:sldId id="266" r:id="rId5"/>
+    <p:sldId id="258" r:id="rId2"/>
   </p:sldIdLst>
   <p:sldSz cx="12192000" cy="6858000"/>
   <p:notesSz cx="7102475" cy="9388475"/>
@@ -446,7 +443,7 @@
           <a:p>
             <a:fld id="{13CAB402-B863-4AA4-B7CA-C5BADD25EDE0}" type="datetimeFigureOut">
               <a:rPr lang="en-US" smtClean="0"/>
-              <a:t>3/25/2023</a:t>
+              <a:t>3/30/2023</a:t>
             </a:fld>
             <a:endParaRPr lang="en-US"/>
           </a:p>
@@ -770,7 +767,7 @@
           <a:p>
             <a:fld id="{13CAB402-B863-4AA4-B7CA-C5BADD25EDE0}" type="datetimeFigureOut">
               <a:rPr lang="en-US" smtClean="0"/>
-              <a:t>3/25/2023</a:t>
+              <a:t>3/30/2023</a:t>
             </a:fld>
             <a:endParaRPr lang="en-US"/>
           </a:p>
@@ -1018,7 +1015,7 @@
           <a:p>
             <a:fld id="{13CAB402-B863-4AA4-B7CA-C5BADD25EDE0}" type="datetimeFigureOut">
               <a:rPr lang="en-US" smtClean="0"/>
-              <a:t>3/25/2023</a:t>
+              <a:t>3/30/2023</a:t>
             </a:fld>
             <a:endParaRPr lang="en-US"/>
           </a:p>
@@ -1357,7 +1354,7 @@
           <a:p>
             <a:fld id="{13CAB402-B863-4AA4-B7CA-C5BADD25EDE0}" type="datetimeFigureOut">
               <a:rPr lang="en-US" smtClean="0"/>
-              <a:t>3/25/2023</a:t>
+              <a:t>3/30/2023</a:t>
             </a:fld>
             <a:endParaRPr lang="en-US"/>
           </a:p>
@@ -1704,7 +1701,7 @@
           <a:p>
             <a:fld id="{13CAB402-B863-4AA4-B7CA-C5BADD25EDE0}" type="datetimeFigureOut">
               <a:rPr lang="en-US" smtClean="0"/>
-              <a:t>3/25/2023</a:t>
+              <a:t>3/30/2023</a:t>
             </a:fld>
             <a:endParaRPr lang="en-US"/>
           </a:p>
@@ -2078,7 +2075,7 @@
           <a:p>
             <a:fld id="{13CAB402-B863-4AA4-B7CA-C5BADD25EDE0}" type="datetimeFigureOut">
               <a:rPr lang="en-US" smtClean="0"/>
-              <a:t>3/25/2023</a:t>
+              <a:t>3/30/2023</a:t>
             </a:fld>
             <a:endParaRPr lang="en-US"/>
           </a:p>
@@ -2548,7 +2545,7 @@
           <a:p>
             <a:fld id="{13CAB402-B863-4AA4-B7CA-C5BADD25EDE0}" type="datetimeFigureOut">
               <a:rPr lang="en-US" smtClean="0"/>
-              <a:t>3/25/2023</a:t>
+              <a:t>3/30/2023</a:t>
             </a:fld>
             <a:endParaRPr lang="en-US"/>
           </a:p>
@@ -2753,7 +2750,7 @@
           <a:p>
             <a:fld id="{13CAB402-B863-4AA4-B7CA-C5BADD25EDE0}" type="datetimeFigureOut">
               <a:rPr lang="en-US" smtClean="0"/>
-              <a:t>3/25/2023</a:t>
+              <a:t>3/30/2023</a:t>
             </a:fld>
             <a:endParaRPr lang="en-US"/>
           </a:p>
@@ -2964,7 +2961,7 @@
           <a:p>
             <a:fld id="{13CAB402-B863-4AA4-B7CA-C5BADD25EDE0}" type="datetimeFigureOut">
               <a:rPr lang="en-US" smtClean="0"/>
-              <a:t>3/25/2023</a:t>
+              <a:t>3/30/2023</a:t>
             </a:fld>
             <a:endParaRPr lang="en-US"/>
           </a:p>
@@ -3196,7 +3193,7 @@
           <a:p>
             <a:fld id="{13CAB402-B863-4AA4-B7CA-C5BADD25EDE0}" type="datetimeFigureOut">
               <a:rPr lang="en-US" smtClean="0"/>
-              <a:t>3/25/2023</a:t>
+              <a:t>3/30/2023</a:t>
             </a:fld>
             <a:endParaRPr lang="en-US"/>
           </a:p>
@@ -3444,7 +3441,7 @@
           <a:p>
             <a:fld id="{13CAB402-B863-4AA4-B7CA-C5BADD25EDE0}" type="datetimeFigureOut">
               <a:rPr lang="en-US" smtClean="0"/>
-              <a:t>3/25/2023</a:t>
+              <a:t>3/30/2023</a:t>
             </a:fld>
             <a:endParaRPr lang="en-US"/>
           </a:p>
@@ -3742,7 +3739,7 @@
           <a:p>
             <a:fld id="{13CAB402-B863-4AA4-B7CA-C5BADD25EDE0}" type="datetimeFigureOut">
               <a:rPr lang="en-US" smtClean="0"/>
-              <a:t>3/25/2023</a:t>
+              <a:t>3/30/2023</a:t>
             </a:fld>
             <a:endParaRPr lang="en-US"/>
           </a:p>
@@ -4136,7 +4133,7 @@
           <a:p>
             <a:fld id="{13CAB402-B863-4AA4-B7CA-C5BADD25EDE0}" type="datetimeFigureOut">
               <a:rPr lang="en-US" smtClean="0"/>
-              <a:t>3/25/2023</a:t>
+              <a:t>3/30/2023</a:t>
             </a:fld>
             <a:endParaRPr lang="en-US"/>
           </a:p>
@@ -4285,7 +4282,7 @@
           <a:p>
             <a:fld id="{13CAB402-B863-4AA4-B7CA-C5BADD25EDE0}" type="datetimeFigureOut">
               <a:rPr lang="en-US" smtClean="0"/>
-              <a:t>3/25/2023</a:t>
+              <a:t>3/30/2023</a:t>
             </a:fld>
             <a:endParaRPr lang="en-US"/>
           </a:p>
@@ -4411,7 +4408,7 @@
           <a:p>
             <a:fld id="{13CAB402-B863-4AA4-B7CA-C5BADD25EDE0}" type="datetimeFigureOut">
               <a:rPr lang="en-US" smtClean="0"/>
-              <a:t>3/25/2023</a:t>
+              <a:t>3/30/2023</a:t>
             </a:fld>
             <a:endParaRPr lang="en-US"/>
           </a:p>
@@ -4666,7 +4663,7 @@
           <a:p>
             <a:fld id="{13CAB402-B863-4AA4-B7CA-C5BADD25EDE0}" type="datetimeFigureOut">
               <a:rPr lang="en-US" smtClean="0"/>
-              <a:t>3/25/2023</a:t>
+              <a:t>3/30/2023</a:t>
             </a:fld>
             <a:endParaRPr lang="en-US"/>
           </a:p>
@@ -4981,7 +4978,7 @@
           <a:p>
             <a:fld id="{13CAB402-B863-4AA4-B7CA-C5BADD25EDE0}" type="datetimeFigureOut">
               <a:rPr lang="en-US" smtClean="0"/>
-              <a:t>3/25/2023</a:t>
+              <a:t>3/30/2023</a:t>
             </a:fld>
             <a:endParaRPr lang="en-US"/>
           </a:p>
@@ -5332,7 +5329,7 @@
           <a:p>
             <a:fld id="{13CAB402-B863-4AA4-B7CA-C5BADD25EDE0}" type="datetimeFigureOut">
               <a:rPr lang="en-US" smtClean="0"/>
-              <a:t>3/25/2023</a:t>
+              <a:t>3/30/2023</a:t>
             </a:fld>
             <a:endParaRPr lang="en-US"/>
           </a:p>
@@ -5880,89 +5877,6 @@
           <p:cNvPr id="2" name="Title 1">
             <a:extLst>
               <a:ext uri="{FF2B5EF4-FFF2-40B4-BE49-F238E27FC236}">
-                <a16:creationId xmlns:a16="http://schemas.microsoft.com/office/drawing/2014/main" id="{CA317722-9261-B16F-DF2C-8CF6D23E8851}"/>
-              </a:ext>
-            </a:extLst>
-          </p:cNvPr>
-          <p:cNvSpPr>
-            <a:spLocks noGrp="1"/>
-          </p:cNvSpPr>
-          <p:nvPr>
-            <p:ph type="ctrTitle"/>
-          </p:nvPr>
-        </p:nvSpPr>
-        <p:spPr/>
-        <p:txBody>
-          <a:bodyPr/>
-          <a:lstStyle/>
-          <a:p>
-            <a:r>
-              <a:rPr lang="en-US" dirty="0"/>
-              <a:t>Problem</a:t>
-            </a:r>
-          </a:p>
-        </p:txBody>
-      </p:sp>
-      <p:sp>
-        <p:nvSpPr>
-          <p:cNvPr id="3" name="Subtitle 2">
-            <a:extLst>
-              <a:ext uri="{FF2B5EF4-FFF2-40B4-BE49-F238E27FC236}">
-                <a16:creationId xmlns:a16="http://schemas.microsoft.com/office/drawing/2014/main" id="{043C9A1C-775D-C72F-DB2C-E4FD1E85D80F}"/>
-              </a:ext>
-            </a:extLst>
-          </p:cNvPr>
-          <p:cNvSpPr>
-            <a:spLocks noGrp="1"/>
-          </p:cNvSpPr>
-          <p:nvPr>
-            <p:ph type="subTitle" idx="1"/>
-          </p:nvPr>
-        </p:nvSpPr>
-        <p:spPr/>
-        <p:txBody>
-          <a:bodyPr/>
-          <a:lstStyle/>
-          <a:p>
-            <a:endParaRPr lang="en-US" dirty="0"/>
-          </a:p>
-        </p:txBody>
-      </p:sp>
-    </p:spTree>
-    <p:extLst>
-      <p:ext uri="{BB962C8B-B14F-4D97-AF65-F5344CB8AC3E}">
-        <p14:creationId xmlns:p14="http://schemas.microsoft.com/office/powerpoint/2010/main" val="542457602"/>
-      </p:ext>
-    </p:extLst>
-  </p:cSld>
-  <p:clrMapOvr>
-    <a:masterClrMapping/>
-  </p:clrMapOvr>
-</p:sld>
-</file>
-
-<file path=ppt/slides/slide2.xml><?xml version="1.0" encoding="utf-8"?>
-<p:sld xmlns:a="http://schemas.openxmlformats.org/drawingml/2006/main" xmlns:r="http://schemas.openxmlformats.org/officeDocument/2006/relationships" xmlns:p="http://schemas.openxmlformats.org/presentationml/2006/main">
-  <p:cSld>
-    <p:spTree>
-      <p:nvGrpSpPr>
-        <p:cNvPr id="1" name=""/>
-        <p:cNvGrpSpPr/>
-        <p:nvPr/>
-      </p:nvGrpSpPr>
-      <p:grpSpPr>
-        <a:xfrm>
-          <a:off x="0" y="0"/>
-          <a:ext cx="0" cy="0"/>
-          <a:chOff x="0" y="0"/>
-          <a:chExt cx="0" cy="0"/>
-        </a:xfrm>
-      </p:grpSpPr>
-      <p:sp>
-        <p:nvSpPr>
-          <p:cNvPr id="2" name="Title 1">
-            <a:extLst>
-              <a:ext uri="{FF2B5EF4-FFF2-40B4-BE49-F238E27FC236}">
                 <a16:creationId xmlns:a16="http://schemas.microsoft.com/office/drawing/2014/main" id="{B901A517-98D6-700B-03D7-654147AFC7D7}"/>
               </a:ext>
             </a:extLst>
@@ -5983,7 +5897,7 @@
           <a:p>
             <a:r>
               <a:rPr lang="en-US" dirty="0"/>
-              <a:t>Sudoku</a:t>
+              <a:t>Sudoku Problems</a:t>
             </a:r>
           </a:p>
         </p:txBody>
@@ -6082,282 +5996,6 @@
     <p:extLst>
       <p:ext uri="{BB962C8B-B14F-4D97-AF65-F5344CB8AC3E}">
         <p14:creationId xmlns:p14="http://schemas.microsoft.com/office/powerpoint/2010/main" val="356587805"/>
-      </p:ext>
-    </p:extLst>
-  </p:cSld>
-  <p:clrMapOvr>
-    <a:masterClrMapping/>
-  </p:clrMapOvr>
-</p:sld>
-</file>
-
-<file path=ppt/slides/slide3.xml><?xml version="1.0" encoding="utf-8"?>
-<p:sld xmlns:a="http://schemas.openxmlformats.org/drawingml/2006/main" xmlns:r="http://schemas.openxmlformats.org/officeDocument/2006/relationships" xmlns:p="http://schemas.openxmlformats.org/presentationml/2006/main">
-  <p:cSld>
-    <p:spTree>
-      <p:nvGrpSpPr>
-        <p:cNvPr id="1" name=""/>
-        <p:cNvGrpSpPr/>
-        <p:nvPr/>
-      </p:nvGrpSpPr>
-      <p:grpSpPr>
-        <a:xfrm>
-          <a:off x="0" y="0"/>
-          <a:ext cx="0" cy="0"/>
-          <a:chOff x="0" y="0"/>
-          <a:chExt cx="0" cy="0"/>
-        </a:xfrm>
-      </p:grpSpPr>
-      <p:sp>
-        <p:nvSpPr>
-          <p:cNvPr id="2" name="Title 1">
-            <a:extLst>
-              <a:ext uri="{FF2B5EF4-FFF2-40B4-BE49-F238E27FC236}">
-                <a16:creationId xmlns:a16="http://schemas.microsoft.com/office/drawing/2014/main" id="{CA317722-9261-B16F-DF2C-8CF6D23E8851}"/>
-              </a:ext>
-            </a:extLst>
-          </p:cNvPr>
-          <p:cNvSpPr>
-            <a:spLocks noGrp="1"/>
-          </p:cNvSpPr>
-          <p:nvPr>
-            <p:ph type="ctrTitle"/>
-          </p:nvPr>
-        </p:nvSpPr>
-        <p:spPr/>
-        <p:txBody>
-          <a:bodyPr/>
-          <a:lstStyle/>
-          <a:p>
-            <a:r>
-              <a:rPr lang="en-US" dirty="0"/>
-              <a:t>Solution</a:t>
-            </a:r>
-          </a:p>
-        </p:txBody>
-      </p:sp>
-      <p:sp>
-        <p:nvSpPr>
-          <p:cNvPr id="3" name="Subtitle 2">
-            <a:extLst>
-              <a:ext uri="{FF2B5EF4-FFF2-40B4-BE49-F238E27FC236}">
-                <a16:creationId xmlns:a16="http://schemas.microsoft.com/office/drawing/2014/main" id="{043C9A1C-775D-C72F-DB2C-E4FD1E85D80F}"/>
-              </a:ext>
-            </a:extLst>
-          </p:cNvPr>
-          <p:cNvSpPr>
-            <a:spLocks noGrp="1"/>
-          </p:cNvSpPr>
-          <p:nvPr>
-            <p:ph type="subTitle" idx="1"/>
-          </p:nvPr>
-        </p:nvSpPr>
-        <p:spPr/>
-        <p:txBody>
-          <a:bodyPr/>
-          <a:lstStyle/>
-          <a:p>
-            <a:endParaRPr lang="en-US" dirty="0"/>
-          </a:p>
-        </p:txBody>
-      </p:sp>
-    </p:spTree>
-    <p:extLst>
-      <p:ext uri="{BB962C8B-B14F-4D97-AF65-F5344CB8AC3E}">
-        <p14:creationId xmlns:p14="http://schemas.microsoft.com/office/powerpoint/2010/main" val="3901014800"/>
-      </p:ext>
-    </p:extLst>
-  </p:cSld>
-  <p:clrMapOvr>
-    <a:masterClrMapping/>
-  </p:clrMapOvr>
-</p:sld>
-</file>
-
-<file path=ppt/slides/slide4.xml><?xml version="1.0" encoding="utf-8"?>
-<p:sld xmlns:a="http://schemas.openxmlformats.org/drawingml/2006/main" xmlns:r="http://schemas.openxmlformats.org/officeDocument/2006/relationships" xmlns:p="http://schemas.openxmlformats.org/presentationml/2006/main">
-  <p:cSld>
-    <p:spTree>
-      <p:nvGrpSpPr>
-        <p:cNvPr id="1" name=""/>
-        <p:cNvGrpSpPr/>
-        <p:nvPr/>
-      </p:nvGrpSpPr>
-      <p:grpSpPr>
-        <a:xfrm>
-          <a:off x="0" y="0"/>
-          <a:ext cx="0" cy="0"/>
-          <a:chOff x="0" y="0"/>
-          <a:chExt cx="0" cy="0"/>
-        </a:xfrm>
-      </p:grpSpPr>
-      <p:sp>
-        <p:nvSpPr>
-          <p:cNvPr id="3" name="Content Placeholder 2">
-            <a:extLst>
-              <a:ext uri="{FF2B5EF4-FFF2-40B4-BE49-F238E27FC236}">
-                <a16:creationId xmlns:a16="http://schemas.microsoft.com/office/drawing/2014/main" id="{96CDCBB5-F920-439D-300B-0E92937B8E3D}"/>
-              </a:ext>
-            </a:extLst>
-          </p:cNvPr>
-          <p:cNvSpPr>
-            <a:spLocks noGrp="1"/>
-          </p:cNvSpPr>
-          <p:nvPr>
-            <p:ph idx="1"/>
-          </p:nvPr>
-        </p:nvSpPr>
-        <p:spPr>
-          <a:xfrm>
-            <a:off x="1295401" y="1136073"/>
-            <a:ext cx="9601196" cy="4739795"/>
-          </a:xfrm>
-        </p:spPr>
-        <p:txBody>
-          <a:bodyPr/>
-          <a:lstStyle/>
-          <a:p>
-            <a:endParaRPr lang="en-US" dirty="0"/>
-          </a:p>
-        </p:txBody>
-      </p:sp>
-      <p:pic>
-        <p:nvPicPr>
-          <p:cNvPr id="4" name="Picture 3">
-            <a:extLst>
-              <a:ext uri="{FF2B5EF4-FFF2-40B4-BE49-F238E27FC236}">
-                <a16:creationId xmlns:a16="http://schemas.microsoft.com/office/drawing/2014/main" id="{E37497A0-16E5-7359-2981-59AF2C0B6CA1}"/>
-              </a:ext>
-            </a:extLst>
-          </p:cNvPr>
-          <p:cNvPicPr>
-            <a:picLocks noChangeAspect="1"/>
-          </p:cNvPicPr>
-          <p:nvPr/>
-        </p:nvPicPr>
-        <p:blipFill>
-          <a:blip r:embed="rId2"/>
-          <a:stretch>
-            <a:fillRect/>
-          </a:stretch>
-        </p:blipFill>
-        <p:spPr>
-          <a:xfrm>
-            <a:off x="1295401" y="1748875"/>
-            <a:ext cx="3096057" cy="3153215"/>
-          </a:xfrm>
-          <a:prstGeom prst="rect">
-            <a:avLst/>
-          </a:prstGeom>
-        </p:spPr>
-      </p:pic>
-      <p:pic>
-        <p:nvPicPr>
-          <p:cNvPr id="6" name="Picture 5">
-            <a:extLst>
-              <a:ext uri="{FF2B5EF4-FFF2-40B4-BE49-F238E27FC236}">
-                <a16:creationId xmlns:a16="http://schemas.microsoft.com/office/drawing/2014/main" id="{EABA41A7-5208-15C3-283F-8B119478C716}"/>
-              </a:ext>
-            </a:extLst>
-          </p:cNvPr>
-          <p:cNvPicPr>
-            <a:picLocks noChangeAspect="1"/>
-          </p:cNvPicPr>
-          <p:nvPr/>
-        </p:nvPicPr>
-        <p:blipFill>
-          <a:blip r:embed="rId3"/>
-          <a:stretch>
-            <a:fillRect/>
-          </a:stretch>
-        </p:blipFill>
-        <p:spPr>
-          <a:xfrm>
-            <a:off x="4391458" y="1806032"/>
-            <a:ext cx="3057952" cy="3038899"/>
-          </a:xfrm>
-          <a:prstGeom prst="rect">
-            <a:avLst/>
-          </a:prstGeom>
-        </p:spPr>
-      </p:pic>
-      <p:pic>
-        <p:nvPicPr>
-          <p:cNvPr id="8" name="Picture 7">
-            <a:extLst>
-              <a:ext uri="{FF2B5EF4-FFF2-40B4-BE49-F238E27FC236}">
-                <a16:creationId xmlns:a16="http://schemas.microsoft.com/office/drawing/2014/main" id="{9C03D7C5-00B3-3368-6657-C8951F98441D}"/>
-              </a:ext>
-            </a:extLst>
-          </p:cNvPr>
-          <p:cNvPicPr>
-            <a:picLocks noChangeAspect="1"/>
-          </p:cNvPicPr>
-          <p:nvPr/>
-        </p:nvPicPr>
-        <p:blipFill>
-          <a:blip r:embed="rId4"/>
-          <a:stretch>
-            <a:fillRect/>
-          </a:stretch>
-        </p:blipFill>
-        <p:spPr>
-          <a:xfrm>
-            <a:off x="7487515" y="1806032"/>
-            <a:ext cx="3391373" cy="3496163"/>
-          </a:xfrm>
-          <a:prstGeom prst="rect">
-            <a:avLst/>
-          </a:prstGeom>
-        </p:spPr>
-      </p:pic>
-      <p:sp>
-        <p:nvSpPr>
-          <p:cNvPr id="2" name="TextBox 1">
-            <a:extLst>
-              <a:ext uri="{FF2B5EF4-FFF2-40B4-BE49-F238E27FC236}">
-                <a16:creationId xmlns:a16="http://schemas.microsoft.com/office/drawing/2014/main" id="{7109D9C0-C23C-A284-192E-97A5074BC5C4}"/>
-              </a:ext>
-            </a:extLst>
-          </p:cNvPr>
-          <p:cNvSpPr txBox="1"/>
-          <p:nvPr/>
-        </p:nvSpPr>
-        <p:spPr>
-          <a:xfrm>
-            <a:off x="1295401" y="5535116"/>
-            <a:ext cx="7373878" cy="369332"/>
-          </a:xfrm>
-          <a:prstGeom prst="rect">
-            <a:avLst/>
-          </a:prstGeom>
-          <a:noFill/>
-        </p:spPr>
-        <p:txBody>
-          <a:bodyPr wrap="none" rtlCol="0">
-            <a:spAutoFit/>
-          </a:bodyPr>
-          <a:lstStyle/>
-          <a:p>
-            <a:r>
-              <a:rPr lang="en-US" dirty="0"/>
-              <a:t>Both problem and solutions were </a:t>
-            </a:r>
-            <a:r>
-              <a:rPr lang="en-US"/>
-              <a:t>generated using </a:t>
-            </a:r>
-            <a:r>
-              <a:rPr lang="en-US" dirty="0"/>
-              <a:t>https://www.sudokuweb.org/</a:t>
-            </a:r>
-          </a:p>
-        </p:txBody>
-      </p:sp>
-    </p:spTree>
-    <p:extLst>
-      <p:ext uri="{BB962C8B-B14F-4D97-AF65-F5344CB8AC3E}">
-        <p14:creationId xmlns:p14="http://schemas.microsoft.com/office/powerpoint/2010/main" val="1547766329"/>
       </p:ext>
     </p:extLst>
   </p:cSld>
